--- a/02_03WhileLoopsCS152_Spring.pptx
+++ b/02_03WhileLoopsCS152_Spring.pptx
@@ -288,6 +288,30 @@
             <pc:docMk/>
             <pc:sldMk cId="0" sldId="286"/>
             <ac:spMk id="6" creationId="{BBA84413-A189-4E45-8BC1-0BAF8D04460A}"/>
+          </ac:spMkLst>
+        </pc:spChg>
+      </pc:sldChg>
+    </pc:docChg>
+  </pc:docChgLst>
+  <pc:docChgLst>
+    <pc:chgData name="Marcia Moraes" userId="c9c67e8a-58e2-4733-9a1c-5d44fec4775b" providerId="ADAL" clId="{973E4EA9-C8C3-4013-BC09-399114053965}"/>
+    <pc:docChg chg="modSld">
+      <pc:chgData name="Marcia Moraes" userId="c9c67e8a-58e2-4733-9a1c-5d44fec4775b" providerId="ADAL" clId="{973E4EA9-C8C3-4013-BC09-399114053965}" dt="2023-01-30T02:45:16.428" v="0" actId="20577"/>
+      <pc:docMkLst>
+        <pc:docMk/>
+      </pc:docMkLst>
+      <pc:sldChg chg="modSp">
+        <pc:chgData name="Marcia Moraes" userId="c9c67e8a-58e2-4733-9a1c-5d44fec4775b" providerId="ADAL" clId="{973E4EA9-C8C3-4013-BC09-399114053965}" dt="2023-01-30T02:45:16.428" v="0" actId="20577"/>
+        <pc:sldMkLst>
+          <pc:docMk/>
+          <pc:sldMk cId="2954226462" sldId="268"/>
+        </pc:sldMkLst>
+        <pc:spChg chg="mod">
+          <ac:chgData name="Marcia Moraes" userId="c9c67e8a-58e2-4733-9a1c-5d44fec4775b" providerId="ADAL" clId="{973E4EA9-C8C3-4013-BC09-399114053965}" dt="2023-01-30T02:45:16.428" v="0" actId="20577"/>
+          <ac:spMkLst>
+            <pc:docMk/>
+            <pc:sldMk cId="2954226462" sldId="268"/>
+            <ac:spMk id="7" creationId="{F1F79DD2-1F3F-234C-A44A-3A87D436D29A}"/>
           </ac:spMkLst>
         </pc:spChg>
       </pc:sldChg>
@@ -14398,8 +14422,13 @@
             </a:pPr>
             <a:r>
               <a:rPr lang="en-US" dirty="0"/>
-              <a:t>Canvas Exam 1 – Friday as drop in hours CS110 1am-4pm</a:t>
-            </a:r>
+              <a:t>Canvas Exam 1 – Friday as drop in hours </a:t>
+            </a:r>
+            <a:r>
+              <a:rPr lang="en-US"/>
+              <a:t>CS110 10am-4pm</a:t>
+            </a:r>
+            <a:endParaRPr lang="en-US" dirty="0"/>
           </a:p>
           <a:p>
             <a:pPr marL="285750" indent="-285750">
@@ -18861,14 +18890,6 @@
 </file>
 
 <file path=customXml/item2.xml><?xml version="1.0" encoding="utf-8"?>
-<p:properties xmlns:p="http://schemas.microsoft.com/office/2006/metadata/properties" xmlns:xsi="http://www.w3.org/2001/XMLSchema-instance" xmlns:pc="http://schemas.microsoft.com/office/infopath/2007/PartnerControls">
-  <documentManagement>
-    <_activity xmlns="92c41bee-f0ee-4aa6-9399-a35fbb883510" xsi:nil="true"/>
-  </documentManagement>
-</p:properties>
-</file>
-
-<file path=customXml/item3.xml><?xml version="1.0" encoding="utf-8"?>
 <ct:contentTypeSchema xmlns:ct="http://schemas.microsoft.com/office/2006/metadata/contentType" xmlns:ma="http://schemas.microsoft.com/office/2006/metadata/properties/metaAttributes" ct:_="" ma:_="" ma:contentTypeName="Document" ma:contentTypeID="0x010100074387D78AC76C4289401EF66FB51FCC" ma:contentTypeVersion="15" ma:contentTypeDescription="Create a new document." ma:contentTypeScope="" ma:versionID="d3659bec8b8330148a03d82a9d99f412">
   <xsd:schema xmlns:xsd="http://www.w3.org/2001/XMLSchema" xmlns:xs="http://www.w3.org/2001/XMLSchema" xmlns:p="http://schemas.microsoft.com/office/2006/metadata/properties" xmlns:ns3="92c41bee-f0ee-4aa6-9399-a35fbb883510" xmlns:ns4="e06ed288-fd75-4b50-bbed-f5a5df88c31c" targetNamespace="http://schemas.microsoft.com/office/2006/metadata/properties" ma:root="true" ma:fieldsID="1a21d371127b63848c9a2290f5945250" ns3:_="" ns4:_="">
     <xsd:import namespace="92c41bee-f0ee-4aa6-9399-a35fbb883510"/>
@@ -19103,6 +19124,14 @@
 </ct:contentTypeSchema>
 </file>
 
+<file path=customXml/item3.xml><?xml version="1.0" encoding="utf-8"?>
+<p:properties xmlns:p="http://schemas.microsoft.com/office/2006/metadata/properties" xmlns:xsi="http://www.w3.org/2001/XMLSchema-instance" xmlns:pc="http://schemas.microsoft.com/office/infopath/2007/PartnerControls">
+  <documentManagement>
+    <_activity xmlns="92c41bee-f0ee-4aa6-9399-a35fbb883510" xsi:nil="true"/>
+  </documentManagement>
+</p:properties>
+</file>
+
 <file path=customXml/itemProps1.xml><?xml version="1.0" encoding="utf-8"?>
 <ds:datastoreItem xmlns:ds="http://schemas.openxmlformats.org/officeDocument/2006/customXml" ds:itemID="{ECBA097B-6123-4B8A-8BF9-8745C25437D5}">
   <ds:schemaRefs>
@@ -19112,23 +19141,6 @@
 </file>
 
 <file path=customXml/itemProps2.xml><?xml version="1.0" encoding="utf-8"?>
-<ds:datastoreItem xmlns:ds="http://schemas.openxmlformats.org/officeDocument/2006/customXml" ds:itemID="{05D3EE4C-68D3-4BA3-94E6-383E2DFDD168}">
-  <ds:schemaRefs>
-    <ds:schemaRef ds:uri="http://schemas.openxmlformats.org/package/2006/metadata/core-properties"/>
-    <ds:schemaRef ds:uri="http://schemas.microsoft.com/office/infopath/2007/PartnerControls"/>
-    <ds:schemaRef ds:uri="http://purl.org/dc/terms/"/>
-    <ds:schemaRef ds:uri="http://purl.org/dc/dcmitype/"/>
-    <ds:schemaRef ds:uri="http://purl.org/dc/elements/1.1/"/>
-    <ds:schemaRef ds:uri="92c41bee-f0ee-4aa6-9399-a35fbb883510"/>
-    <ds:schemaRef ds:uri="http://schemas.microsoft.com/office/2006/documentManagement/types"/>
-    <ds:schemaRef ds:uri="e06ed288-fd75-4b50-bbed-f5a5df88c31c"/>
-    <ds:schemaRef ds:uri="http://schemas.microsoft.com/office/2006/metadata/properties"/>
-    <ds:schemaRef ds:uri="http://www.w3.org/XML/1998/namespace"/>
-  </ds:schemaRefs>
-</ds:datastoreItem>
-</file>
-
-<file path=customXml/itemProps3.xml><?xml version="1.0" encoding="utf-8"?>
 <ds:datastoreItem xmlns:ds="http://schemas.openxmlformats.org/officeDocument/2006/customXml" ds:itemID="{5E4F7D01-63DB-4686-B623-C96DD603033C}">
   <ds:schemaRefs>
     <ds:schemaRef ds:uri="http://schemas.microsoft.com/office/2006/metadata/contentType"/>
@@ -19145,4 +19157,21 @@
     <ds:schemaRef ds:uri="http://schemas.microsoft.com/internal/obd"/>
   </ds:schemaRefs>
 </ds:datastoreItem>
+</file>
+
+<file path=customXml/itemProps3.xml><?xml version="1.0" encoding="utf-8"?>
+<ds:datastoreItem xmlns:ds="http://schemas.openxmlformats.org/officeDocument/2006/customXml" ds:itemID="{05D3EE4C-68D3-4BA3-94E6-383E2DFDD168}">
+  <ds:schemaRefs>
+    <ds:schemaRef ds:uri="http://purl.org/dc/terms/"/>
+    <ds:schemaRef ds:uri="http://schemas.microsoft.com/office/infopath/2007/PartnerControls"/>
+    <ds:schemaRef ds:uri="http://www.w3.org/XML/1998/namespace"/>
+    <ds:schemaRef ds:uri="http://purl.org/dc/elements/1.1/"/>
+    <ds:schemaRef ds:uri="http://schemas.microsoft.com/office/2006/documentManagement/types"/>
+    <ds:schemaRef ds:uri="http://schemas.microsoft.com/office/2006/metadata/properties"/>
+    <ds:schemaRef ds:uri="92c41bee-f0ee-4aa6-9399-a35fbb883510"/>
+    <ds:schemaRef ds:uri="http://schemas.openxmlformats.org/package/2006/metadata/core-properties"/>
+    <ds:schemaRef ds:uri="e06ed288-fd75-4b50-bbed-f5a5df88c31c"/>
+    <ds:schemaRef ds:uri="http://purl.org/dc/dcmitype/"/>
+  </ds:schemaRefs>
+</ds:datastoreItem>
 </file>